--- a/A. Raspberry Pi - Image Processing/#3 - Python Part 2 (List, Tuple & Dictionary)/P3 - Python Part 2 (List, Tuple & Dictionary).pptx
+++ b/A. Raspberry Pi - Image Processing/#3 - Python Part 2 (List, Tuple & Dictionary)/P3 - Python Part 2 (List, Tuple & Dictionary).pptx
@@ -9783,7 +9783,7 @@
             </a:pPr>
             <a:r>
               <a:rPr lang="en-US" b="1"/>
-              <a:t>Builtin Function Pada List</a:t>
+              <a:t>Builtin Function Pada List </a:t>
             </a:r>
             <a:endParaRPr lang="en-US" b="1"/>
           </a:p>
